--- a/Day5/AM/color_scheme_palate.pptx
+++ b/Day5/AM/color_scheme_palate.pptx
@@ -124,19 +124,35 @@
 <pc:chgInfo xmlns:a="http://schemas.openxmlformats.org/drawingml/2006/main" xmlns:r="http://schemas.openxmlformats.org/officeDocument/2006/relationships" xmlns:ac="http://schemas.microsoft.com/office/drawing/2013/main/command" xmlns:pc="http://schemas.microsoft.com/office/powerpoint/2013/main/command">
   <pc:docChgLst>
     <pc:chgData name="Rhys Davies" userId="a8f146e6-e95e-409b-8bd0-39e0f634a622" providerId="ADAL" clId="{3A3A2EA0-098D-4349-966C-480F46DCE6B1}"/>
-    <pc:docChg chg="modSld">
-      <pc:chgData name="Rhys Davies" userId="a8f146e6-e95e-409b-8bd0-39e0f634a622" providerId="ADAL" clId="{3A3A2EA0-098D-4349-966C-480F46DCE6B1}" dt="2024-05-21T15:12:45.239" v="22" actId="14100"/>
+    <pc:docChg chg="undo custSel modSld">
+      <pc:chgData name="Rhys Davies" userId="a8f146e6-e95e-409b-8bd0-39e0f634a622" providerId="ADAL" clId="{3A3A2EA0-098D-4349-966C-480F46DCE6B1}" dt="2024-06-04T14:16:09.854" v="42" actId="207"/>
       <pc:docMkLst>
         <pc:docMk/>
       </pc:docMkLst>
-      <pc:sldChg chg="modSp mod">
-        <pc:chgData name="Rhys Davies" userId="a8f146e6-e95e-409b-8bd0-39e0f634a622" providerId="ADAL" clId="{3A3A2EA0-098D-4349-966C-480F46DCE6B1}" dt="2024-05-21T15:12:45.239" v="22" actId="14100"/>
+      <pc:sldChg chg="addSp modSp mod">
+        <pc:chgData name="Rhys Davies" userId="a8f146e6-e95e-409b-8bd0-39e0f634a622" providerId="ADAL" clId="{3A3A2EA0-098D-4349-966C-480F46DCE6B1}" dt="2024-06-04T14:16:09.854" v="42" actId="207"/>
         <pc:sldMkLst>
           <pc:docMk/>
           <pc:sldMk cId="1374565103" sldId="256"/>
         </pc:sldMkLst>
+        <pc:spChg chg="add mod">
+          <ac:chgData name="Rhys Davies" userId="a8f146e6-e95e-409b-8bd0-39e0f634a622" providerId="ADAL" clId="{3A3A2EA0-098D-4349-966C-480F46DCE6B1}" dt="2024-06-04T11:50:21.896" v="26" actId="207"/>
+          <ac:spMkLst>
+            <pc:docMk/>
+            <pc:sldMk cId="1374565103" sldId="256"/>
+            <ac:spMk id="2" creationId="{6CEB9972-48FA-EDA7-9EE1-4B7A1949BE4E}"/>
+          </ac:spMkLst>
+        </pc:spChg>
         <pc:spChg chg="mod">
-          <ac:chgData name="Rhys Davies" userId="a8f146e6-e95e-409b-8bd0-39e0f634a622" providerId="ADAL" clId="{3A3A2EA0-098D-4349-966C-480F46DCE6B1}" dt="2024-05-21T15:12:22.197" v="15" actId="1076"/>
+          <ac:chgData name="Rhys Davies" userId="a8f146e6-e95e-409b-8bd0-39e0f634a622" providerId="ADAL" clId="{3A3A2EA0-098D-4349-966C-480F46DCE6B1}" dt="2024-06-04T13:55:28.833" v="38" actId="207"/>
+          <ac:spMkLst>
+            <pc:docMk/>
+            <pc:sldMk cId="1374565103" sldId="256"/>
+            <ac:spMk id="4" creationId="{F8181D7E-9506-1BDF-0195-3D1D293CF42F}"/>
+          </ac:spMkLst>
+        </pc:spChg>
+        <pc:spChg chg="mod">
+          <ac:chgData name="Rhys Davies" userId="a8f146e6-e95e-409b-8bd0-39e0f634a622" providerId="ADAL" clId="{3A3A2EA0-098D-4349-966C-480F46DCE6B1}" dt="2024-06-04T13:48:11.416" v="35" actId="207"/>
           <ac:spMkLst>
             <pc:docMk/>
             <pc:sldMk cId="1374565103" sldId="256"/>
@@ -144,7 +160,7 @@
           </ac:spMkLst>
         </pc:spChg>
         <pc:spChg chg="mod">
-          <ac:chgData name="Rhys Davies" userId="a8f146e6-e95e-409b-8bd0-39e0f634a622" providerId="ADAL" clId="{3A3A2EA0-098D-4349-966C-480F46DCE6B1}" dt="2024-05-21T15:12:24.302" v="16" actId="1076"/>
+          <ac:chgData name="Rhys Davies" userId="a8f146e6-e95e-409b-8bd0-39e0f634a622" providerId="ADAL" clId="{3A3A2EA0-098D-4349-966C-480F46DCE6B1}" dt="2024-06-04T14:12:36.341" v="41" actId="207"/>
           <ac:spMkLst>
             <pc:docMk/>
             <pc:sldMk cId="1374565103" sldId="256"/>
@@ -152,7 +168,7 @@
           </ac:spMkLst>
         </pc:spChg>
         <pc:spChg chg="mod">
-          <ac:chgData name="Rhys Davies" userId="a8f146e6-e95e-409b-8bd0-39e0f634a622" providerId="ADAL" clId="{3A3A2EA0-098D-4349-966C-480F46DCE6B1}" dt="2024-05-21T15:12:16.031" v="14" actId="1076"/>
+          <ac:chgData name="Rhys Davies" userId="a8f146e6-e95e-409b-8bd0-39e0f634a622" providerId="ADAL" clId="{3A3A2EA0-098D-4349-966C-480F46DCE6B1}" dt="2024-06-04T13:47:57.631" v="34" actId="207"/>
           <ac:spMkLst>
             <pc:docMk/>
             <pc:sldMk cId="1374565103" sldId="256"/>
@@ -160,7 +176,7 @@
           </ac:spMkLst>
         </pc:spChg>
         <pc:spChg chg="mod">
-          <ac:chgData name="Rhys Davies" userId="a8f146e6-e95e-409b-8bd0-39e0f634a622" providerId="ADAL" clId="{3A3A2EA0-098D-4349-966C-480F46DCE6B1}" dt="2024-05-21T15:12:45.239" v="22" actId="14100"/>
+          <ac:chgData name="Rhys Davies" userId="a8f146e6-e95e-409b-8bd0-39e0f634a622" providerId="ADAL" clId="{3A3A2EA0-098D-4349-966C-480F46DCE6B1}" dt="2024-06-04T14:16:09.854" v="42" actId="207"/>
           <ac:spMkLst>
             <pc:docMk/>
             <pc:sldMk cId="1374565103" sldId="256"/>
@@ -168,11 +184,19 @@
           </ac:spMkLst>
         </pc:spChg>
         <pc:spChg chg="mod">
-          <ac:chgData name="Rhys Davies" userId="a8f146e6-e95e-409b-8bd0-39e0f634a622" providerId="ADAL" clId="{3A3A2EA0-098D-4349-966C-480F46DCE6B1}" dt="2024-05-21T15:12:38.790" v="19" actId="1076"/>
+          <ac:chgData name="Rhys Davies" userId="a8f146e6-e95e-409b-8bd0-39e0f634a622" providerId="ADAL" clId="{3A3A2EA0-098D-4349-966C-480F46DCE6B1}" dt="2024-06-04T13:45:16.543" v="30" actId="1076"/>
           <ac:spMkLst>
             <pc:docMk/>
             <pc:sldMk cId="1374565103" sldId="256"/>
             <ac:spMk id="9" creationId="{FE498F40-2ADC-F525-3A88-15226C9E9532}"/>
+          </ac:spMkLst>
+        </pc:spChg>
+        <pc:spChg chg="mod">
+          <ac:chgData name="Rhys Davies" userId="a8f146e6-e95e-409b-8bd0-39e0f634a622" providerId="ADAL" clId="{3A3A2EA0-098D-4349-966C-480F46DCE6B1}" dt="2024-06-04T14:11:42.339" v="40" actId="207"/>
+          <ac:spMkLst>
+            <pc:docMk/>
+            <pc:sldMk cId="1374565103" sldId="256"/>
+            <ac:spMk id="10" creationId="{2E0637DD-156B-DBEE-BBD2-5BAF5076ABF8}"/>
           </ac:spMkLst>
         </pc:spChg>
         <pc:picChg chg="mod">
@@ -338,7 +362,7 @@
           <a:p>
             <a:fld id="{3CD3B115-05DE-4940-B0A7-E58DCDA16233}" type="datetimeFigureOut">
               <a:rPr lang="en-GB" smtClean="0"/>
-              <a:t>21/05/2024</a:t>
+              <a:t>04/06/2024</a:t>
             </a:fld>
             <a:endParaRPr lang="en-GB"/>
           </a:p>
@@ -538,7 +562,7 @@
           <a:p>
             <a:fld id="{3CD3B115-05DE-4940-B0A7-E58DCDA16233}" type="datetimeFigureOut">
               <a:rPr lang="en-GB" smtClean="0"/>
-              <a:t>21/05/2024</a:t>
+              <a:t>04/06/2024</a:t>
             </a:fld>
             <a:endParaRPr lang="en-GB"/>
           </a:p>
@@ -748,7 +772,7 @@
           <a:p>
             <a:fld id="{3CD3B115-05DE-4940-B0A7-E58DCDA16233}" type="datetimeFigureOut">
               <a:rPr lang="en-GB" smtClean="0"/>
-              <a:t>21/05/2024</a:t>
+              <a:t>04/06/2024</a:t>
             </a:fld>
             <a:endParaRPr lang="en-GB"/>
           </a:p>
@@ -948,7 +972,7 @@
           <a:p>
             <a:fld id="{3CD3B115-05DE-4940-B0A7-E58DCDA16233}" type="datetimeFigureOut">
               <a:rPr lang="en-GB" smtClean="0"/>
-              <a:t>21/05/2024</a:t>
+              <a:t>04/06/2024</a:t>
             </a:fld>
             <a:endParaRPr lang="en-GB"/>
           </a:p>
@@ -1224,7 +1248,7 @@
           <a:p>
             <a:fld id="{3CD3B115-05DE-4940-B0A7-E58DCDA16233}" type="datetimeFigureOut">
               <a:rPr lang="en-GB" smtClean="0"/>
-              <a:t>21/05/2024</a:t>
+              <a:t>04/06/2024</a:t>
             </a:fld>
             <a:endParaRPr lang="en-GB"/>
           </a:p>
@@ -1492,7 +1516,7 @@
           <a:p>
             <a:fld id="{3CD3B115-05DE-4940-B0A7-E58DCDA16233}" type="datetimeFigureOut">
               <a:rPr lang="en-GB" smtClean="0"/>
-              <a:t>21/05/2024</a:t>
+              <a:t>04/06/2024</a:t>
             </a:fld>
             <a:endParaRPr lang="en-GB"/>
           </a:p>
@@ -1907,7 +1931,7 @@
           <a:p>
             <a:fld id="{3CD3B115-05DE-4940-B0A7-E58DCDA16233}" type="datetimeFigureOut">
               <a:rPr lang="en-GB" smtClean="0"/>
-              <a:t>21/05/2024</a:t>
+              <a:t>04/06/2024</a:t>
             </a:fld>
             <a:endParaRPr lang="en-GB"/>
           </a:p>
@@ -2049,7 +2073,7 @@
           <a:p>
             <a:fld id="{3CD3B115-05DE-4940-B0A7-E58DCDA16233}" type="datetimeFigureOut">
               <a:rPr lang="en-GB" smtClean="0"/>
-              <a:t>21/05/2024</a:t>
+              <a:t>04/06/2024</a:t>
             </a:fld>
             <a:endParaRPr lang="en-GB"/>
           </a:p>
@@ -2162,7 +2186,7 @@
           <a:p>
             <a:fld id="{3CD3B115-05DE-4940-B0A7-E58DCDA16233}" type="datetimeFigureOut">
               <a:rPr lang="en-GB" smtClean="0"/>
-              <a:t>21/05/2024</a:t>
+              <a:t>04/06/2024</a:t>
             </a:fld>
             <a:endParaRPr lang="en-GB"/>
           </a:p>
@@ -2475,7 +2499,7 @@
           <a:p>
             <a:fld id="{3CD3B115-05DE-4940-B0A7-E58DCDA16233}" type="datetimeFigureOut">
               <a:rPr lang="en-GB" smtClean="0"/>
-              <a:t>21/05/2024</a:t>
+              <a:t>04/06/2024</a:t>
             </a:fld>
             <a:endParaRPr lang="en-GB"/>
           </a:p>
@@ -2764,7 +2788,7 @@
           <a:p>
             <a:fld id="{3CD3B115-05DE-4940-B0A7-E58DCDA16233}" type="datetimeFigureOut">
               <a:rPr lang="en-GB" smtClean="0"/>
-              <a:t>21/05/2024</a:t>
+              <a:t>04/06/2024</a:t>
             </a:fld>
             <a:endParaRPr lang="en-GB"/>
           </a:p>
@@ -3007,7 +3031,7 @@
           <a:p>
             <a:fld id="{3CD3B115-05DE-4940-B0A7-E58DCDA16233}" type="datetimeFigureOut">
               <a:rPr lang="en-GB" smtClean="0"/>
-              <a:t>21/05/2024</a:t>
+              <a:t>04/06/2024</a:t>
             </a:fld>
             <a:endParaRPr lang="en-GB"/>
           </a:p>
@@ -3490,7 +3514,7 @@
             <a:avLst/>
           </a:prstGeom>
           <a:solidFill>
-            <a:srgbClr val="46415F"/>
+            <a:srgbClr val="6F3A7E"/>
           </a:solidFill>
         </p:spPr>
         <p:style>
@@ -3539,7 +3563,7 @@
             <a:avLst/>
           </a:prstGeom>
           <a:solidFill>
-            <a:srgbClr val="8D4046"/>
+            <a:srgbClr val="A84046"/>
           </a:solidFill>
         </p:spPr>
         <p:style>
@@ -3588,7 +3612,7 @@
             <a:avLst/>
           </a:prstGeom>
           <a:solidFill>
-            <a:srgbClr val="395558"/>
+            <a:srgbClr val="3A8259"/>
           </a:solidFill>
         </p:spPr>
         <p:style>
@@ -3637,7 +3661,7 @@
             <a:avLst/>
           </a:prstGeom>
           <a:solidFill>
-            <a:srgbClr val="576884"/>
+            <a:srgbClr val="6072A0"/>
           </a:solidFill>
         </p:spPr>
         <p:style>
@@ -3686,7 +3710,7 @@
             <a:avLst/>
           </a:prstGeom>
           <a:solidFill>
-            <a:srgbClr val="BAB8BD"/>
+            <a:srgbClr val="FFFFFF"/>
           </a:solidFill>
         </p:spPr>
         <p:style>
@@ -3728,14 +3752,14 @@
         </p:nvSpPr>
         <p:spPr>
           <a:xfrm>
-            <a:off x="9496425" y="2668904"/>
+            <a:off x="9496424" y="2783204"/>
             <a:ext cx="914400" cy="834391"/>
           </a:xfrm>
           <a:prstGeom prst="rect">
             <a:avLst/>
           </a:prstGeom>
           <a:solidFill>
-            <a:srgbClr val="BE8B5E"/>
+            <a:srgbClr val="C7AC59"/>
           </a:solidFill>
         </p:spPr>
         <p:style>
@@ -3784,7 +3808,7 @@
             <a:avLst/>
           </a:prstGeom>
           <a:solidFill>
-            <a:srgbClr val="8A5366"/>
+            <a:srgbClr val="D40A9F"/>
           </a:solidFill>
         </p:spPr>
         <p:style>
@@ -3812,6 +3836,55 @@
               <a:rPr lang="en-GB" dirty="0"/>
               <a:t>Island</a:t>
             </a:r>
+          </a:p>
+        </p:txBody>
+      </p:sp>
+      <p:sp>
+        <p:nvSpPr>
+          <p:cNvPr id="2" name="Rectangle 1">
+            <a:extLst>
+              <a:ext uri="{FF2B5EF4-FFF2-40B4-BE49-F238E27FC236}">
+                <a16:creationId xmlns:a16="http://schemas.microsoft.com/office/drawing/2014/main" id="{6CEB9972-48FA-EDA7-9EE1-4B7A1949BE4E}"/>
+              </a:ext>
+            </a:extLst>
+          </p:cNvPr>
+          <p:cNvSpPr/>
+          <p:nvPr/>
+        </p:nvSpPr>
+        <p:spPr>
+          <a:xfrm>
+            <a:off x="2274570" y="445770"/>
+            <a:ext cx="720090" cy="685800"/>
+          </a:xfrm>
+          <a:prstGeom prst="rect">
+            <a:avLst/>
+          </a:prstGeom>
+          <a:solidFill>
+            <a:srgbClr val="EAF3FD"/>
+          </a:solidFill>
+        </p:spPr>
+        <p:style>
+          <a:lnRef idx="2">
+            <a:schemeClr val="accent1">
+              <a:shade val="15000"/>
+            </a:schemeClr>
+          </a:lnRef>
+          <a:fillRef idx="1">
+            <a:schemeClr val="accent1"/>
+          </a:fillRef>
+          <a:effectRef idx="0">
+            <a:schemeClr val="accent1"/>
+          </a:effectRef>
+          <a:fontRef idx="minor">
+            <a:schemeClr val="lt1"/>
+          </a:fontRef>
+        </p:style>
+        <p:txBody>
+          <a:bodyPr rtlCol="0" anchor="ctr"/>
+          <a:lstStyle/>
+          <a:p>
+            <a:pPr algn="ctr"/>
+            <a:endParaRPr lang="en-GB"/>
           </a:p>
         </p:txBody>
       </p:sp>
